--- a/2019date - topic.pptx
+++ b/2019date - topic.pptx
@@ -285,7 +285,38 @@
         <p:spPr/>
         <p:txBody>
           <a:bodyPr/>
-          <a:lstStyle/>
+          <a:lstStyle>
+            <a:lvl1pPr>
+              <a:defRPr>
+                <a:latin typeface="Times New Roman" panose="02020603050405020304" pitchFamily="18" charset="0"/>
+                <a:cs typeface="Times New Roman" panose="02020603050405020304" pitchFamily="18" charset="0"/>
+              </a:defRPr>
+            </a:lvl1pPr>
+            <a:lvl2pPr>
+              <a:defRPr>
+                <a:latin typeface="Times New Roman" panose="02020603050405020304" pitchFamily="18" charset="0"/>
+                <a:cs typeface="Times New Roman" panose="02020603050405020304" pitchFamily="18" charset="0"/>
+              </a:defRPr>
+            </a:lvl2pPr>
+            <a:lvl3pPr>
+              <a:defRPr>
+                <a:latin typeface="Times New Roman" panose="02020603050405020304" pitchFamily="18" charset="0"/>
+                <a:cs typeface="Times New Roman" panose="02020603050405020304" pitchFamily="18" charset="0"/>
+              </a:defRPr>
+            </a:lvl3pPr>
+            <a:lvl4pPr>
+              <a:defRPr>
+                <a:latin typeface="Times New Roman" panose="02020603050405020304" pitchFamily="18" charset="0"/>
+                <a:cs typeface="Times New Roman" panose="02020603050405020304" pitchFamily="18" charset="0"/>
+              </a:defRPr>
+            </a:lvl4pPr>
+            <a:lvl5pPr>
+              <a:defRPr>
+                <a:latin typeface="Times New Roman" panose="02020603050405020304" pitchFamily="18" charset="0"/>
+                <a:cs typeface="Times New Roman" panose="02020603050405020304" pitchFamily="18" charset="0"/>
+              </a:defRPr>
+            </a:lvl5pPr>
+          </a:lstStyle>
           <a:p>
             <a:pPr lvl="0"/>
             <a:r>
@@ -405,7 +436,38 @@
         </p:spPr>
         <p:txBody>
           <a:bodyPr/>
-          <a:lstStyle/>
+          <a:lstStyle>
+            <a:lvl1pPr>
+              <a:defRPr>
+                <a:latin typeface="Times New Roman" panose="02020603050405020304" pitchFamily="18" charset="0"/>
+                <a:cs typeface="Times New Roman" panose="02020603050405020304" pitchFamily="18" charset="0"/>
+              </a:defRPr>
+            </a:lvl1pPr>
+            <a:lvl2pPr>
+              <a:defRPr>
+                <a:latin typeface="Times New Roman" panose="02020603050405020304" pitchFamily="18" charset="0"/>
+                <a:cs typeface="Times New Roman" panose="02020603050405020304" pitchFamily="18" charset="0"/>
+              </a:defRPr>
+            </a:lvl2pPr>
+            <a:lvl3pPr>
+              <a:defRPr>
+                <a:latin typeface="Times New Roman" panose="02020603050405020304" pitchFamily="18" charset="0"/>
+                <a:cs typeface="Times New Roman" panose="02020603050405020304" pitchFamily="18" charset="0"/>
+              </a:defRPr>
+            </a:lvl3pPr>
+            <a:lvl4pPr>
+              <a:defRPr>
+                <a:latin typeface="Times New Roman" panose="02020603050405020304" pitchFamily="18" charset="0"/>
+                <a:cs typeface="Times New Roman" panose="02020603050405020304" pitchFamily="18" charset="0"/>
+              </a:defRPr>
+            </a:lvl4pPr>
+            <a:lvl5pPr>
+              <a:defRPr>
+                <a:latin typeface="Times New Roman" panose="02020603050405020304" pitchFamily="18" charset="0"/>
+                <a:cs typeface="Times New Roman" panose="02020603050405020304" pitchFamily="18" charset="0"/>
+              </a:defRPr>
+            </a:lvl5pPr>
+          </a:lstStyle>
           <a:p>
             <a:pPr lvl="0"/>
             <a:r>
@@ -525,7 +587,38 @@
         </p:spPr>
         <p:txBody>
           <a:bodyPr/>
-          <a:lstStyle/>
+          <a:lstStyle>
+            <a:lvl1pPr>
+              <a:defRPr>
+                <a:latin typeface="Times New Roman" panose="02020603050405020304" pitchFamily="18" charset="0"/>
+                <a:cs typeface="Times New Roman" panose="02020603050405020304" pitchFamily="18" charset="0"/>
+              </a:defRPr>
+            </a:lvl1pPr>
+            <a:lvl2pPr>
+              <a:defRPr>
+                <a:latin typeface="Times New Roman" panose="02020603050405020304" pitchFamily="18" charset="0"/>
+                <a:cs typeface="Times New Roman" panose="02020603050405020304" pitchFamily="18" charset="0"/>
+              </a:defRPr>
+            </a:lvl2pPr>
+            <a:lvl3pPr>
+              <a:defRPr>
+                <a:latin typeface="Times New Roman" panose="02020603050405020304" pitchFamily="18" charset="0"/>
+                <a:cs typeface="Times New Roman" panose="02020603050405020304" pitchFamily="18" charset="0"/>
+              </a:defRPr>
+            </a:lvl3pPr>
+            <a:lvl4pPr>
+              <a:defRPr>
+                <a:latin typeface="Times New Roman" panose="02020603050405020304" pitchFamily="18" charset="0"/>
+                <a:cs typeface="Times New Roman" panose="02020603050405020304" pitchFamily="18" charset="0"/>
+              </a:defRPr>
+            </a:lvl4pPr>
+            <a:lvl5pPr>
+              <a:defRPr>
+                <a:latin typeface="Times New Roman" panose="02020603050405020304" pitchFamily="18" charset="0"/>
+                <a:cs typeface="Times New Roman" panose="02020603050405020304" pitchFamily="18" charset="0"/>
+              </a:defRPr>
+            </a:lvl5pPr>
+          </a:lstStyle>
           <a:p>
             <a:pPr lvl="0"/>
             <a:r>

--- a/2019date - topic.pptx
+++ b/2019date - topic.pptx
@@ -319,38 +319,7 @@
           </a:lstStyle>
           <a:p>
             <a:pPr lvl="0"/>
-            <a:r>
-              <a:rPr lang="zh-CN" altLang="en-US" dirty="0"/>
-              <a:t>单击此处编辑母版文本样式</a:t>
-            </a:r>
-          </a:p>
-          <a:p>
-            <a:pPr lvl="1"/>
-            <a:r>
-              <a:rPr lang="zh-CN" altLang="en-US" dirty="0"/>
-              <a:t>二级</a:t>
-            </a:r>
-          </a:p>
-          <a:p>
-            <a:pPr lvl="2"/>
-            <a:r>
-              <a:rPr lang="zh-CN" altLang="en-US" dirty="0"/>
-              <a:t>三级</a:t>
-            </a:r>
-          </a:p>
-          <a:p>
-            <a:pPr lvl="3"/>
-            <a:r>
-              <a:rPr lang="zh-CN" altLang="en-US" dirty="0"/>
-              <a:t>四级</a:t>
-            </a:r>
-          </a:p>
-          <a:p>
-            <a:pPr lvl="4"/>
-            <a:r>
-              <a:rPr lang="zh-CN" altLang="en-US" dirty="0"/>
-              <a:t>五级</a:t>
-            </a:r>
+            <a:endParaRPr lang="zh-CN" altLang="en-US" dirty="0"/>
           </a:p>
         </p:txBody>
       </p:sp>
@@ -437,7 +406,8 @@
         <p:txBody>
           <a:bodyPr/>
           <a:lstStyle>
-            <a:lvl1pPr>
+            <a:lvl1pPr marL="0" indent="0">
+              <a:buNone/>
               <a:defRPr>
                 <a:latin typeface="Times New Roman" panose="02020603050405020304" pitchFamily="18" charset="0"/>
                 <a:cs typeface="Times New Roman" panose="02020603050405020304" pitchFamily="18" charset="0"/>
@@ -470,38 +440,7 @@
           </a:lstStyle>
           <a:p>
             <a:pPr lvl="0"/>
-            <a:r>
-              <a:rPr lang="zh-CN" altLang="en-US" dirty="0"/>
-              <a:t>单击此处编辑母版文本样式</a:t>
-            </a:r>
-          </a:p>
-          <a:p>
-            <a:pPr lvl="1"/>
-            <a:r>
-              <a:rPr lang="zh-CN" altLang="en-US" dirty="0"/>
-              <a:t>二级</a:t>
-            </a:r>
-          </a:p>
-          <a:p>
-            <a:pPr lvl="2"/>
-            <a:r>
-              <a:rPr lang="zh-CN" altLang="en-US" dirty="0"/>
-              <a:t>三级</a:t>
-            </a:r>
-          </a:p>
-          <a:p>
-            <a:pPr lvl="3"/>
-            <a:r>
-              <a:rPr lang="zh-CN" altLang="en-US" dirty="0"/>
-              <a:t>四级</a:t>
-            </a:r>
-          </a:p>
-          <a:p>
-            <a:pPr lvl="4"/>
-            <a:r>
-              <a:rPr lang="zh-CN" altLang="en-US" dirty="0"/>
-              <a:t>五级</a:t>
-            </a:r>
+            <a:endParaRPr lang="zh-CN" altLang="en-US" dirty="0"/>
           </a:p>
         </p:txBody>
       </p:sp>
@@ -588,7 +527,8 @@
         <p:txBody>
           <a:bodyPr/>
           <a:lstStyle>
-            <a:lvl1pPr>
+            <a:lvl1pPr marL="0" indent="0">
+              <a:buNone/>
               <a:defRPr>
                 <a:latin typeface="Times New Roman" panose="02020603050405020304" pitchFamily="18" charset="0"/>
                 <a:cs typeface="Times New Roman" panose="02020603050405020304" pitchFamily="18" charset="0"/>
@@ -621,38 +561,7 @@
           </a:lstStyle>
           <a:p>
             <a:pPr lvl="0"/>
-            <a:r>
-              <a:rPr lang="zh-CN" altLang="en-US" dirty="0"/>
-              <a:t>单击此处编辑母版文本样式</a:t>
-            </a:r>
-          </a:p>
-          <a:p>
-            <a:pPr lvl="1"/>
-            <a:r>
-              <a:rPr lang="zh-CN" altLang="en-US" dirty="0"/>
-              <a:t>二级</a:t>
-            </a:r>
-          </a:p>
-          <a:p>
-            <a:pPr lvl="2"/>
-            <a:r>
-              <a:rPr lang="zh-CN" altLang="en-US" dirty="0"/>
-              <a:t>三级</a:t>
-            </a:r>
-          </a:p>
-          <a:p>
-            <a:pPr lvl="3"/>
-            <a:r>
-              <a:rPr lang="zh-CN" altLang="en-US" dirty="0"/>
-              <a:t>四级</a:t>
-            </a:r>
-          </a:p>
-          <a:p>
-            <a:pPr lvl="4"/>
-            <a:r>
-              <a:rPr lang="zh-CN" altLang="en-US" dirty="0"/>
-              <a:t>五级</a:t>
-            </a:r>
+            <a:endParaRPr lang="zh-CN" altLang="en-US" dirty="0"/>
           </a:p>
         </p:txBody>
       </p:sp>
@@ -761,38 +670,7 @@
           <a:lstStyle/>
           <a:p>
             <a:pPr lvl="0"/>
-            <a:r>
-              <a:rPr lang="zh-CN" altLang="en-US" dirty="0"/>
-              <a:t>单击此处编辑母版文本样式</a:t>
-            </a:r>
-          </a:p>
-          <a:p>
-            <a:pPr lvl="1"/>
-            <a:r>
-              <a:rPr lang="zh-CN" altLang="en-US" dirty="0"/>
-              <a:t>二级</a:t>
-            </a:r>
-          </a:p>
-          <a:p>
-            <a:pPr lvl="2"/>
-            <a:r>
-              <a:rPr lang="zh-CN" altLang="en-US" dirty="0"/>
-              <a:t>三级</a:t>
-            </a:r>
-          </a:p>
-          <a:p>
-            <a:pPr lvl="3"/>
-            <a:r>
-              <a:rPr lang="zh-CN" altLang="en-US" dirty="0"/>
-              <a:t>四级</a:t>
-            </a:r>
-          </a:p>
-          <a:p>
-            <a:pPr lvl="4"/>
-            <a:r>
-              <a:rPr lang="zh-CN" altLang="en-US" dirty="0"/>
-              <a:t>五级</a:t>
-            </a:r>
+            <a:endParaRPr lang="zh-CN" altLang="en-US" dirty="0"/>
           </a:p>
         </p:txBody>
       </p:sp>
@@ -831,7 +709,7 @@
       </a:lvl1pPr>
     </p:titleStyle>
     <p:bodyStyle>
-      <a:lvl1pPr marL="228600" indent="-228600" algn="l" defTabSz="914400" rtl="0" eaLnBrk="1" latinLnBrk="0" hangingPunct="1">
+      <a:lvl1pPr marL="0" indent="0" algn="l" defTabSz="914400" rtl="0" eaLnBrk="1" latinLnBrk="0" hangingPunct="1">
         <a:lnSpc>
           <a:spcPct val="90000"/>
         </a:lnSpc>
@@ -839,7 +717,7 @@
           <a:spcPts val="1000"/>
         </a:spcBef>
         <a:buFont typeface="Arial" panose="020B0604020202020204" pitchFamily="34" charset="0"/>
-        <a:buChar char="•"/>
+        <a:buNone/>
         <a:defRPr sz="2800" kern="1200">
           <a:solidFill>
             <a:schemeClr val="tx1"/>
